--- a/MANUAL PENGGUNA SISTEM TEMPAHAN BILIK ASRAMA.pptx
+++ b/MANUAL PENGGUNA SISTEM TEMPAHAN BILIK ASRAMA.pptx
@@ -23,6 +23,7 @@
     <p:sldId id="273" r:id="rId17"/>
     <p:sldId id="274" r:id="rId18"/>
     <p:sldId id="275" r:id="rId19"/>
+    <p:sldId id="276" r:id="rId20"/>
   </p:sldIdLst>
   <p:sldSz cx="12192000" cy="6858000"/>
   <p:notesSz cx="6858000" cy="9144000"/>
@@ -12121,10 +12122,179 @@
           </a:p>
         </p:txBody>
       </p:sp>
+      <p:pic>
+        <p:nvPicPr>
+          <p:cNvPr id="4" name="Picture 3">
+            <a:extLst>
+              <a:ext uri="{FF2B5EF4-FFF2-40B4-BE49-F238E27FC236}">
+                <a16:creationId xmlns:a16="http://schemas.microsoft.com/office/drawing/2014/main" id="{A6C30BA4-04B1-55AF-6D9B-541A774FB8A6}"/>
+              </a:ext>
+            </a:extLst>
+          </p:cNvPr>
+          <p:cNvPicPr>
+            <a:picLocks noChangeAspect="1"/>
+          </p:cNvPicPr>
+          <p:nvPr/>
+        </p:nvPicPr>
+        <p:blipFill rotWithShape="1">
+          <a:blip r:embed="rId2"/>
+          <a:srcRect r="1816"/>
+          <a:stretch/>
+        </p:blipFill>
+        <p:spPr>
+          <a:xfrm>
+            <a:off x="749786" y="1035742"/>
+            <a:ext cx="7234487" cy="1080684"/>
+          </a:xfrm>
+          <a:prstGeom prst="rect">
+            <a:avLst/>
+          </a:prstGeom>
+          <a:ln>
+            <a:solidFill>
+              <a:schemeClr val="tx1"/>
+            </a:solidFill>
+          </a:ln>
+        </p:spPr>
+      </p:pic>
+      <p:pic>
+        <p:nvPicPr>
+          <p:cNvPr id="6" name="Picture 5">
+            <a:extLst>
+              <a:ext uri="{FF2B5EF4-FFF2-40B4-BE49-F238E27FC236}">
+                <a16:creationId xmlns:a16="http://schemas.microsoft.com/office/drawing/2014/main" id="{F7A5F6C7-F01C-FCE0-581C-CD042BE5CDBB}"/>
+              </a:ext>
+            </a:extLst>
+          </p:cNvPr>
+          <p:cNvPicPr>
+            <a:picLocks noChangeAspect="1"/>
+          </p:cNvPicPr>
+          <p:nvPr/>
+        </p:nvPicPr>
+        <p:blipFill rotWithShape="1">
+          <a:blip r:embed="rId3"/>
+          <a:srcRect r="1684"/>
+          <a:stretch/>
+        </p:blipFill>
+        <p:spPr>
+          <a:xfrm>
+            <a:off x="749786" y="1993765"/>
+            <a:ext cx="7234487" cy="4117106"/>
+          </a:xfrm>
+          <a:prstGeom prst="rect">
+            <a:avLst/>
+          </a:prstGeom>
+          <a:ln>
+            <a:solidFill>
+              <a:schemeClr val="tx1"/>
+            </a:solidFill>
+          </a:ln>
+        </p:spPr>
+      </p:pic>
     </p:spTree>
     <p:extLst>
       <p:ext uri="{BB962C8B-B14F-4D97-AF65-F5344CB8AC3E}">
         <p14:creationId xmlns:p14="http://schemas.microsoft.com/office/powerpoint/2010/main" val="2156160991"/>
+      </p:ext>
+    </p:extLst>
+  </p:cSld>
+  <p:clrMapOvr>
+    <a:masterClrMapping/>
+  </p:clrMapOvr>
+</p:sld>
+</file>
+
+<file path=ppt/slides/slide19.xml><?xml version="1.0" encoding="utf-8"?>
+<p:sld xmlns:a="http://schemas.openxmlformats.org/drawingml/2006/main" xmlns:r="http://schemas.openxmlformats.org/officeDocument/2006/relationships" xmlns:p="http://schemas.openxmlformats.org/presentationml/2006/main">
+  <p:cSld>
+    <p:spTree>
+      <p:nvGrpSpPr>
+        <p:cNvPr id="1" name=""/>
+        <p:cNvGrpSpPr/>
+        <p:nvPr/>
+      </p:nvGrpSpPr>
+      <p:grpSpPr>
+        <a:xfrm>
+          <a:off x="0" y="0"/>
+          <a:ext cx="0" cy="0"/>
+          <a:chOff x="0" y="0"/>
+          <a:chExt cx="0" cy="0"/>
+        </a:xfrm>
+      </p:grpSpPr>
+      <p:sp>
+        <p:nvSpPr>
+          <p:cNvPr id="2" name="Title 1">
+            <a:extLst>
+              <a:ext uri="{FF2B5EF4-FFF2-40B4-BE49-F238E27FC236}">
+                <a16:creationId xmlns:a16="http://schemas.microsoft.com/office/drawing/2014/main" id="{E3ABB1CE-C3EC-3680-3D43-D72E86CB1510}"/>
+              </a:ext>
+            </a:extLst>
+          </p:cNvPr>
+          <p:cNvSpPr>
+            <a:spLocks noGrp="1"/>
+          </p:cNvSpPr>
+          <p:nvPr>
+            <p:ph type="title"/>
+          </p:nvPr>
+        </p:nvSpPr>
+        <p:spPr>
+          <a:xfrm>
+            <a:off x="486550" y="523081"/>
+            <a:ext cx="5258034" cy="502828"/>
+          </a:xfrm>
+        </p:spPr>
+        <p:txBody>
+          <a:bodyPr>
+            <a:normAutofit/>
+          </a:bodyPr>
+          <a:lstStyle/>
+          <a:p>
+            <a:r>
+              <a:rPr lang="en-US" sz="2400" dirty="0"/>
+              <a:t>16. PUSH KE REPOSITORY GITHUB</a:t>
+            </a:r>
+            <a:endParaRPr lang="en-MY" sz="2400" dirty="0"/>
+          </a:p>
+        </p:txBody>
+      </p:sp>
+      <p:pic>
+        <p:nvPicPr>
+          <p:cNvPr id="8" name="Picture 7">
+            <a:extLst>
+              <a:ext uri="{FF2B5EF4-FFF2-40B4-BE49-F238E27FC236}">
+                <a16:creationId xmlns:a16="http://schemas.microsoft.com/office/drawing/2014/main" id="{9E2CF640-38EF-9A94-62CC-FD8247F898BE}"/>
+              </a:ext>
+            </a:extLst>
+          </p:cNvPr>
+          <p:cNvPicPr>
+            <a:picLocks noChangeAspect="1"/>
+          </p:cNvPicPr>
+          <p:nvPr/>
+        </p:nvPicPr>
+        <p:blipFill>
+          <a:blip r:embed="rId2"/>
+          <a:stretch>
+            <a:fillRect/>
+          </a:stretch>
+        </p:blipFill>
+        <p:spPr>
+          <a:xfrm>
+            <a:off x="620511" y="1200227"/>
+            <a:ext cx="8430802" cy="5134692"/>
+          </a:xfrm>
+          <a:prstGeom prst="rect">
+            <a:avLst/>
+          </a:prstGeom>
+          <a:ln>
+            <a:solidFill>
+              <a:schemeClr val="tx1"/>
+            </a:solidFill>
+          </a:ln>
+        </p:spPr>
+      </p:pic>
+    </p:spTree>
+    <p:extLst>
+      <p:ext uri="{BB962C8B-B14F-4D97-AF65-F5344CB8AC3E}">
+        <p14:creationId xmlns:p14="http://schemas.microsoft.com/office/powerpoint/2010/main" val="1336686866"/>
       </p:ext>
     </p:extLst>
   </p:cSld>
@@ -12166,7 +12336,7 @@
           <p:nvPr>
             <p:extLst>
               <p:ext uri="{D42A27DB-BD31-4B8C-83A1-F6EECF244321}">
-                <p14:modId xmlns:p14="http://schemas.microsoft.com/office/powerpoint/2010/main" val="229945953"/>
+                <p14:modId xmlns:p14="http://schemas.microsoft.com/office/powerpoint/2010/main" val="4110307654"/>
               </p:ext>
             </p:extLst>
           </p:nvPr>
@@ -13050,8 +13220,8 @@
                     <a:p>
                       <a:pPr algn="ctr"/>
                       <a:r>
-                        <a:rPr lang="en-US" sz="1400" dirty="0"/>
-                        <a:t>18</a:t>
+                        <a:rPr lang="en-US" sz="1400"/>
+                        <a:t>18 &amp; 19</a:t>
                       </a:r>
                       <a:endParaRPr lang="en-MY" sz="1400" dirty="0"/>
                     </a:p>
